--- a/03/go基础知识.pptx
+++ b/03/go基础知识.pptx
@@ -132,18 +132,18 @@
             <p14:sldId id="289"/>
             <p14:sldId id="309"/>
             <p14:sldId id="310"/>
+            <p14:sldId id="270"/>
+            <p14:sldId id="326"/>
             <p14:sldId id="327"/>
+            <p14:sldId id="320"/>
+            <p14:sldId id="328"/>
+            <p14:sldId id="329"/>
             <p14:sldId id="287"/>
             <p14:sldId id="316"/>
+            <p14:sldId id="299"/>
             <p14:sldId id="301"/>
             <p14:sldId id="266"/>
-            <p14:sldId id="320"/>
             <p14:sldId id="279"/>
-            <p14:sldId id="270"/>
-            <p14:sldId id="326"/>
-            <p14:sldId id="299"/>
-            <p14:sldId id="328"/>
-            <p14:sldId id="329"/>
           </p14:sldIdLst>
         </p14:section>
         <p14:section name="技术项目" id="{CD5D3B33-B192-7A47-9AA8-B7BE35B63FD9}">
